--- a/Quản lý chăn nuôi part 1.pptx
+++ b/Quản lý chăn nuôi part 1.pptx
@@ -5,13 +5,15 @@
     <p:sldMasterId id="2147483658" r:id="rId4"/>
   </p:sldMasterIdLst>
   <p:notesMasterIdLst>
-    <p:notesMasterId r:id="rId6"/>
+    <p:notesMasterId r:id="rId8"/>
   </p:notesMasterIdLst>
   <p:handoutMasterIdLst>
-    <p:handoutMasterId r:id="rId7"/>
+    <p:handoutMasterId r:id="rId9"/>
   </p:handoutMasterIdLst>
   <p:sldIdLst>
     <p:sldId id="383" r:id="rId5"/>
+    <p:sldId id="384" r:id="rId6"/>
+    <p:sldId id="385" r:id="rId7"/>
   </p:sldIdLst>
   <p:sldSz cx="12192000" cy="6858000"/>
   <p:notesSz cx="6858000" cy="9144000"/>
@@ -9515,6 +9517,2002 @@
     <p:extLst>
       <p:ext uri="{BB962C8B-B14F-4D97-AF65-F5344CB8AC3E}">
         <p14:creationId xmlns:p14="http://schemas.microsoft.com/office/powerpoint/2010/main" val="3346685798"/>
+      </p:ext>
+    </p:extLst>
+  </p:cSld>
+  <p:clrMapOvr>
+    <a:masterClrMapping/>
+  </p:clrMapOvr>
+</p:sld>
+</file>
+
+<file path=ppt/slides/slide2.xml><?xml version="1.0" encoding="utf-8"?>
+<p:sld xmlns:a="http://schemas.openxmlformats.org/drawingml/2006/main" xmlns:r="http://schemas.openxmlformats.org/officeDocument/2006/relationships" xmlns:p="http://schemas.openxmlformats.org/presentationml/2006/main">
+  <p:cSld>
+    <p:spTree>
+      <p:nvGrpSpPr>
+        <p:cNvPr id="1" name=""/>
+        <p:cNvGrpSpPr/>
+        <p:nvPr/>
+      </p:nvGrpSpPr>
+      <p:grpSpPr>
+        <a:xfrm>
+          <a:off x="0" y="0"/>
+          <a:ext cx="0" cy="0"/>
+          <a:chOff x="0" y="0"/>
+          <a:chExt cx="0" cy="0"/>
+        </a:xfrm>
+      </p:grpSpPr>
+      <p:sp>
+        <p:nvSpPr>
+          <p:cNvPr id="2" name="Title 1">
+            <a:extLst>
+              <a:ext uri="{FF2B5EF4-FFF2-40B4-BE49-F238E27FC236}">
+                <a16:creationId xmlns:a16="http://schemas.microsoft.com/office/drawing/2014/main" id="{E25DE823-6133-B174-9102-16EE13648CE0}"/>
+              </a:ext>
+            </a:extLst>
+          </p:cNvPr>
+          <p:cNvSpPr>
+            <a:spLocks noGrp="1"/>
+          </p:cNvSpPr>
+          <p:nvPr>
+            <p:ph type="title"/>
+          </p:nvPr>
+        </p:nvSpPr>
+        <p:spPr/>
+        <p:txBody>
+          <a:bodyPr/>
+          <a:lstStyle/>
+          <a:p>
+            <a:r>
+              <a:rPr lang="en-US" sz="4000" dirty="0" err="1">
+                <a:latin typeface="Arial" panose="020B0604020202020204" pitchFamily="34" charset="0"/>
+                <a:cs typeface="Arial" panose="020B0604020202020204" pitchFamily="34" charset="0"/>
+              </a:rPr>
+              <a:t>Đặt</a:t>
+            </a:r>
+            <a:r>
+              <a:rPr lang="en-US" sz="4000" dirty="0">
+                <a:latin typeface="Arial" panose="020B0604020202020204" pitchFamily="34" charset="0"/>
+                <a:cs typeface="Arial" panose="020B0604020202020204" pitchFamily="34" charset="0"/>
+              </a:rPr>
+              <a:t> </a:t>
+            </a:r>
+            <a:r>
+              <a:rPr lang="en-US" sz="4000" dirty="0" err="1">
+                <a:latin typeface="Arial" panose="020B0604020202020204" pitchFamily="34" charset="0"/>
+                <a:cs typeface="Arial" panose="020B0604020202020204" pitchFamily="34" charset="0"/>
+              </a:rPr>
+              <a:t>vấn</a:t>
+            </a:r>
+            <a:r>
+              <a:rPr lang="en-US" sz="4000" dirty="0">
+                <a:latin typeface="Arial" panose="020B0604020202020204" pitchFamily="34" charset="0"/>
+                <a:cs typeface="Arial" panose="020B0604020202020204" pitchFamily="34" charset="0"/>
+              </a:rPr>
+              <a:t> </a:t>
+            </a:r>
+            <a:r>
+              <a:rPr lang="en-US" sz="4000" dirty="0" err="1">
+                <a:latin typeface="Arial" panose="020B0604020202020204" pitchFamily="34" charset="0"/>
+                <a:cs typeface="Arial" panose="020B0604020202020204" pitchFamily="34" charset="0"/>
+              </a:rPr>
+              <a:t>đề</a:t>
+            </a:r>
+            <a:endParaRPr lang="en-US" sz="4000" dirty="0">
+              <a:latin typeface="Arial" panose="020B0604020202020204" pitchFamily="34" charset="0"/>
+              <a:cs typeface="Arial" panose="020B0604020202020204" pitchFamily="34" charset="0"/>
+            </a:endParaRPr>
+          </a:p>
+        </p:txBody>
+      </p:sp>
+      <p:sp>
+        <p:nvSpPr>
+          <p:cNvPr id="5" name="TextBox 4">
+            <a:extLst>
+              <a:ext uri="{FF2B5EF4-FFF2-40B4-BE49-F238E27FC236}">
+                <a16:creationId xmlns:a16="http://schemas.microsoft.com/office/drawing/2014/main" id="{90055BD7-C8DD-2228-B240-38B6933E2BF9}"/>
+              </a:ext>
+            </a:extLst>
+          </p:cNvPr>
+          <p:cNvSpPr txBox="1"/>
+          <p:nvPr/>
+        </p:nvSpPr>
+        <p:spPr>
+          <a:xfrm>
+            <a:off x="594360" y="2276874"/>
+            <a:ext cx="3998794" cy="523220"/>
+          </a:xfrm>
+          <a:prstGeom prst="rect">
+            <a:avLst/>
+          </a:prstGeom>
+          <a:noFill/>
+        </p:spPr>
+        <p:txBody>
+          <a:bodyPr wrap="square" rtlCol="0">
+            <a:spAutoFit/>
+          </a:bodyPr>
+          <a:lstStyle/>
+          <a:p>
+            <a:r>
+              <a:rPr lang="en-US" sz="2800" dirty="0">
+                <a:solidFill>
+                  <a:schemeClr val="bg1"/>
+                </a:solidFill>
+                <a:latin typeface="Arial" panose="020B0604020202020204" pitchFamily="34" charset="0"/>
+                <a:ea typeface="Segoe UI Historic" panose="020B0502040204020203" pitchFamily="34" charset="0"/>
+                <a:cs typeface="Arial" panose="020B0604020202020204" pitchFamily="34" charset="0"/>
+              </a:rPr>
+              <a:t>- People (</a:t>
+            </a:r>
+            <a:r>
+              <a:rPr lang="vi-VN" sz="2800" b="0" i="0" dirty="0">
+                <a:solidFill>
+                  <a:schemeClr val="bg1"/>
+                </a:solidFill>
+                <a:effectLst/>
+                <a:latin typeface="Arial" panose="020B0604020202020204" pitchFamily="34" charset="0"/>
+                <a:ea typeface="Segoe UI Historic" panose="020B0502040204020203" pitchFamily="34" charset="0"/>
+                <a:cs typeface="Arial" panose="020B0604020202020204" pitchFamily="34" charset="0"/>
+              </a:rPr>
+              <a:t>Con người</a:t>
+            </a:r>
+            <a:r>
+              <a:rPr lang="en-US" sz="2800" b="0" i="0" dirty="0">
+                <a:solidFill>
+                  <a:schemeClr val="bg1"/>
+                </a:solidFill>
+                <a:effectLst/>
+                <a:latin typeface="Arial" panose="020B0604020202020204" pitchFamily="34" charset="0"/>
+                <a:ea typeface="Segoe UI Historic" panose="020B0502040204020203" pitchFamily="34" charset="0"/>
+                <a:cs typeface="Arial" panose="020B0604020202020204" pitchFamily="34" charset="0"/>
+              </a:rPr>
+              <a:t>):</a:t>
+            </a:r>
+            <a:endParaRPr lang="en-US" sz="2800" dirty="0">
+              <a:solidFill>
+                <a:schemeClr val="bg1"/>
+              </a:solidFill>
+              <a:latin typeface="Arial" panose="020B0604020202020204" pitchFamily="34" charset="0"/>
+              <a:ea typeface="Segoe UI Historic" panose="020B0502040204020203" pitchFamily="34" charset="0"/>
+              <a:cs typeface="Arial" panose="020B0604020202020204" pitchFamily="34" charset="0"/>
+            </a:endParaRPr>
+          </a:p>
+        </p:txBody>
+      </p:sp>
+      <p:sp>
+        <p:nvSpPr>
+          <p:cNvPr id="7" name="TextBox 6">
+            <a:extLst>
+              <a:ext uri="{FF2B5EF4-FFF2-40B4-BE49-F238E27FC236}">
+                <a16:creationId xmlns:a16="http://schemas.microsoft.com/office/drawing/2014/main" id="{C44F46D0-6E34-5654-D065-BA08648243B6}"/>
+              </a:ext>
+            </a:extLst>
+          </p:cNvPr>
+          <p:cNvSpPr txBox="1"/>
+          <p:nvPr/>
+        </p:nvSpPr>
+        <p:spPr>
+          <a:xfrm>
+            <a:off x="945107" y="2768366"/>
+            <a:ext cx="7803108" cy="523220"/>
+          </a:xfrm>
+          <a:prstGeom prst="rect">
+            <a:avLst/>
+          </a:prstGeom>
+          <a:noFill/>
+        </p:spPr>
+        <p:txBody>
+          <a:bodyPr wrap="square">
+            <a:spAutoFit/>
+          </a:bodyPr>
+          <a:lstStyle/>
+          <a:p>
+            <a:r>
+              <a:rPr lang="en-US" sz="2800" b="0" i="0" dirty="0">
+                <a:solidFill>
+                  <a:schemeClr val="bg1"/>
+                </a:solidFill>
+                <a:effectLst/>
+                <a:latin typeface="Arial" panose="020B0604020202020204" pitchFamily="34" charset="0"/>
+                <a:cs typeface="Arial" panose="020B0604020202020204" pitchFamily="34" charset="0"/>
+              </a:rPr>
+              <a:t>+ </a:t>
+            </a:r>
+            <a:r>
+              <a:rPr lang="en-US" sz="2800" b="0" i="0" dirty="0" err="1">
+                <a:solidFill>
+                  <a:schemeClr val="bg1"/>
+                </a:solidFill>
+                <a:effectLst/>
+                <a:latin typeface="Arial" panose="020B0604020202020204" pitchFamily="34" charset="0"/>
+                <a:cs typeface="Arial" panose="020B0604020202020204" pitchFamily="34" charset="0"/>
+              </a:rPr>
+              <a:t>Thiếu</a:t>
+            </a:r>
+            <a:r>
+              <a:rPr lang="en-US" sz="2800" b="0" i="0" dirty="0">
+                <a:solidFill>
+                  <a:schemeClr val="bg1"/>
+                </a:solidFill>
+                <a:effectLst/>
+                <a:latin typeface="Arial" panose="020B0604020202020204" pitchFamily="34" charset="0"/>
+                <a:cs typeface="Arial" panose="020B0604020202020204" pitchFamily="34" charset="0"/>
+              </a:rPr>
+              <a:t> </a:t>
+            </a:r>
+            <a:r>
+              <a:rPr lang="en-US" sz="2800" b="0" i="0" dirty="0" err="1">
+                <a:solidFill>
+                  <a:schemeClr val="bg1"/>
+                </a:solidFill>
+                <a:effectLst/>
+                <a:latin typeface="Arial" panose="020B0604020202020204" pitchFamily="34" charset="0"/>
+                <a:cs typeface="Arial" panose="020B0604020202020204" pitchFamily="34" charset="0"/>
+              </a:rPr>
+              <a:t>kỹ</a:t>
+            </a:r>
+            <a:r>
+              <a:rPr lang="en-US" sz="2800" b="0" i="0" dirty="0">
+                <a:solidFill>
+                  <a:schemeClr val="bg1"/>
+                </a:solidFill>
+                <a:effectLst/>
+                <a:latin typeface="Arial" panose="020B0604020202020204" pitchFamily="34" charset="0"/>
+                <a:cs typeface="Arial" panose="020B0604020202020204" pitchFamily="34" charset="0"/>
+              </a:rPr>
+              <a:t> </a:t>
+            </a:r>
+            <a:r>
+              <a:rPr lang="en-US" sz="2800" b="0" i="0" dirty="0" err="1">
+                <a:solidFill>
+                  <a:schemeClr val="bg1"/>
+                </a:solidFill>
+                <a:effectLst/>
+                <a:latin typeface="Arial" panose="020B0604020202020204" pitchFamily="34" charset="0"/>
+                <a:cs typeface="Arial" panose="020B0604020202020204" pitchFamily="34" charset="0"/>
+              </a:rPr>
+              <a:t>năng</a:t>
+            </a:r>
+            <a:r>
+              <a:rPr lang="en-US" sz="2800" b="0" i="0" dirty="0">
+                <a:solidFill>
+                  <a:schemeClr val="bg1"/>
+                </a:solidFill>
+                <a:effectLst/>
+                <a:latin typeface="Arial" panose="020B0604020202020204" pitchFamily="34" charset="0"/>
+                <a:cs typeface="Arial" panose="020B0604020202020204" pitchFamily="34" charset="0"/>
+              </a:rPr>
+              <a:t> </a:t>
+            </a:r>
+            <a:r>
+              <a:rPr lang="en-US" sz="2800" b="0" i="0" dirty="0" err="1">
+                <a:solidFill>
+                  <a:schemeClr val="bg1"/>
+                </a:solidFill>
+                <a:effectLst/>
+                <a:latin typeface="Arial" panose="020B0604020202020204" pitchFamily="34" charset="0"/>
+                <a:cs typeface="Arial" panose="020B0604020202020204" pitchFamily="34" charset="0"/>
+              </a:rPr>
+              <a:t>quản</a:t>
+            </a:r>
+            <a:r>
+              <a:rPr lang="en-US" sz="2800" b="0" i="0" dirty="0">
+                <a:solidFill>
+                  <a:schemeClr val="bg1"/>
+                </a:solidFill>
+                <a:effectLst/>
+                <a:latin typeface="Arial" panose="020B0604020202020204" pitchFamily="34" charset="0"/>
+                <a:cs typeface="Arial" panose="020B0604020202020204" pitchFamily="34" charset="0"/>
+              </a:rPr>
+              <a:t> </a:t>
+            </a:r>
+            <a:r>
+              <a:rPr lang="en-US" sz="2800" b="0" i="0" dirty="0" err="1">
+                <a:solidFill>
+                  <a:schemeClr val="bg1"/>
+                </a:solidFill>
+                <a:effectLst/>
+                <a:latin typeface="Arial" panose="020B0604020202020204" pitchFamily="34" charset="0"/>
+                <a:cs typeface="Arial" panose="020B0604020202020204" pitchFamily="34" charset="0"/>
+              </a:rPr>
+              <a:t>lý</a:t>
+            </a:r>
+            <a:r>
+              <a:rPr lang="en-US" sz="2800" b="0" i="0" dirty="0">
+                <a:solidFill>
+                  <a:schemeClr val="bg1"/>
+                </a:solidFill>
+                <a:effectLst/>
+                <a:latin typeface="Arial" panose="020B0604020202020204" pitchFamily="34" charset="0"/>
+                <a:cs typeface="Arial" panose="020B0604020202020204" pitchFamily="34" charset="0"/>
+              </a:rPr>
+              <a:t>, </a:t>
+            </a:r>
+            <a:r>
+              <a:rPr lang="en-US" sz="2800" b="0" i="0" dirty="0" err="1">
+                <a:solidFill>
+                  <a:schemeClr val="bg1"/>
+                </a:solidFill>
+                <a:effectLst/>
+                <a:latin typeface="Arial" panose="020B0604020202020204" pitchFamily="34" charset="0"/>
+                <a:cs typeface="Arial" panose="020B0604020202020204" pitchFamily="34" charset="0"/>
+              </a:rPr>
+              <a:t>giám</a:t>
+            </a:r>
+            <a:r>
+              <a:rPr lang="en-US" sz="2800" b="0" i="0" dirty="0">
+                <a:solidFill>
+                  <a:schemeClr val="bg1"/>
+                </a:solidFill>
+                <a:effectLst/>
+                <a:latin typeface="Arial" panose="020B0604020202020204" pitchFamily="34" charset="0"/>
+                <a:cs typeface="Arial" panose="020B0604020202020204" pitchFamily="34" charset="0"/>
+              </a:rPr>
+              <a:t> </a:t>
+            </a:r>
+            <a:r>
+              <a:rPr lang="en-US" sz="2800" b="0" i="0" dirty="0" err="1">
+                <a:solidFill>
+                  <a:schemeClr val="bg1"/>
+                </a:solidFill>
+                <a:effectLst/>
+                <a:latin typeface="Arial" panose="020B0604020202020204" pitchFamily="34" charset="0"/>
+                <a:cs typeface="Arial" panose="020B0604020202020204" pitchFamily="34" charset="0"/>
+              </a:rPr>
+              <a:t>sát</a:t>
+            </a:r>
+            <a:r>
+              <a:rPr lang="en-US" sz="2800" b="0" i="0" dirty="0">
+                <a:solidFill>
+                  <a:schemeClr val="bg1"/>
+                </a:solidFill>
+                <a:effectLst/>
+                <a:latin typeface="Arial" panose="020B0604020202020204" pitchFamily="34" charset="0"/>
+                <a:cs typeface="Arial" panose="020B0604020202020204" pitchFamily="34" charset="0"/>
+              </a:rPr>
+              <a:t> </a:t>
+            </a:r>
+            <a:r>
+              <a:rPr lang="en-US" sz="2800" b="0" i="0" dirty="0" err="1">
+                <a:solidFill>
+                  <a:schemeClr val="bg1"/>
+                </a:solidFill>
+                <a:effectLst/>
+                <a:latin typeface="Arial" panose="020B0604020202020204" pitchFamily="34" charset="0"/>
+                <a:cs typeface="Arial" panose="020B0604020202020204" pitchFamily="34" charset="0"/>
+              </a:rPr>
+              <a:t>vật</a:t>
+            </a:r>
+            <a:r>
+              <a:rPr lang="en-US" sz="2800" b="0" i="0" dirty="0">
+                <a:solidFill>
+                  <a:schemeClr val="bg1"/>
+                </a:solidFill>
+                <a:effectLst/>
+                <a:latin typeface="Arial" panose="020B0604020202020204" pitchFamily="34" charset="0"/>
+                <a:cs typeface="Arial" panose="020B0604020202020204" pitchFamily="34" charset="0"/>
+              </a:rPr>
+              <a:t> </a:t>
+            </a:r>
+            <a:r>
+              <a:rPr lang="en-US" sz="2800" b="0" i="0" dirty="0" err="1">
+                <a:solidFill>
+                  <a:schemeClr val="bg1"/>
+                </a:solidFill>
+                <a:effectLst/>
+                <a:latin typeface="Arial" panose="020B0604020202020204" pitchFamily="34" charset="0"/>
+                <a:cs typeface="Arial" panose="020B0604020202020204" pitchFamily="34" charset="0"/>
+              </a:rPr>
+              <a:t>nuôi</a:t>
+            </a:r>
+            <a:r>
+              <a:rPr lang="en-US" sz="2800" b="0" i="0" dirty="0">
+                <a:solidFill>
+                  <a:schemeClr val="bg1"/>
+                </a:solidFill>
+                <a:effectLst/>
+                <a:latin typeface="Arial" panose="020B0604020202020204" pitchFamily="34" charset="0"/>
+                <a:cs typeface="Arial" panose="020B0604020202020204" pitchFamily="34" charset="0"/>
+              </a:rPr>
+              <a:t> </a:t>
+            </a:r>
+            <a:r>
+              <a:rPr lang="en-US" sz="2800" b="0" i="0" dirty="0" err="1">
+                <a:solidFill>
+                  <a:schemeClr val="bg1"/>
+                </a:solidFill>
+                <a:effectLst/>
+                <a:latin typeface="Arial" panose="020B0604020202020204" pitchFamily="34" charset="0"/>
+                <a:cs typeface="Arial" panose="020B0604020202020204" pitchFamily="34" charset="0"/>
+              </a:rPr>
+              <a:t>kém</a:t>
+            </a:r>
+            <a:r>
+              <a:rPr lang="en-US" sz="2800" b="0" i="0" dirty="0">
+                <a:solidFill>
+                  <a:schemeClr val="bg1"/>
+                </a:solidFill>
+                <a:effectLst/>
+                <a:latin typeface="Arial" panose="020B0604020202020204" pitchFamily="34" charset="0"/>
+                <a:cs typeface="Arial" panose="020B0604020202020204" pitchFamily="34" charset="0"/>
+              </a:rPr>
+              <a:t>.</a:t>
+            </a:r>
+            <a:endParaRPr lang="en-US" sz="2800" dirty="0">
+              <a:solidFill>
+                <a:schemeClr val="bg1"/>
+              </a:solidFill>
+              <a:latin typeface="Arial" panose="020B0604020202020204" pitchFamily="34" charset="0"/>
+              <a:cs typeface="Arial" panose="020B0604020202020204" pitchFamily="34" charset="0"/>
+            </a:endParaRPr>
+          </a:p>
+        </p:txBody>
+      </p:sp>
+      <p:sp>
+        <p:nvSpPr>
+          <p:cNvPr id="9" name="TextBox 8">
+            <a:extLst>
+              <a:ext uri="{FF2B5EF4-FFF2-40B4-BE49-F238E27FC236}">
+                <a16:creationId xmlns:a16="http://schemas.microsoft.com/office/drawing/2014/main" id="{0833FB1C-50AD-52F7-AEF6-91C3578B5DEA}"/>
+              </a:ext>
+            </a:extLst>
+          </p:cNvPr>
+          <p:cNvSpPr txBox="1"/>
+          <p:nvPr/>
+        </p:nvSpPr>
+        <p:spPr>
+          <a:xfrm>
+            <a:off x="945107" y="3291586"/>
+            <a:ext cx="10873740" cy="523220"/>
+          </a:xfrm>
+          <a:prstGeom prst="rect">
+            <a:avLst/>
+          </a:prstGeom>
+          <a:noFill/>
+        </p:spPr>
+        <p:txBody>
+          <a:bodyPr wrap="square">
+            <a:spAutoFit/>
+          </a:bodyPr>
+          <a:lstStyle/>
+          <a:p>
+            <a:r>
+              <a:rPr lang="en-US" sz="2800" b="0" i="0" dirty="0">
+                <a:solidFill>
+                  <a:schemeClr val="bg1"/>
+                </a:solidFill>
+                <a:effectLst/>
+                <a:latin typeface="Arial" panose="020B0604020202020204" pitchFamily="34" charset="0"/>
+                <a:cs typeface="Arial" panose="020B0604020202020204" pitchFamily="34" charset="0"/>
+              </a:rPr>
+              <a:t>+ </a:t>
+            </a:r>
+            <a:r>
+              <a:rPr lang="vi-VN" sz="2800" b="0" i="0" dirty="0">
+                <a:solidFill>
+                  <a:schemeClr val="bg1"/>
+                </a:solidFill>
+                <a:effectLst/>
+                <a:latin typeface="Arial" panose="020B0604020202020204" pitchFamily="34" charset="0"/>
+                <a:cs typeface="Arial" panose="020B0604020202020204" pitchFamily="34" charset="0"/>
+              </a:rPr>
+              <a:t>Khó phối hợp giữa người chăn nuôi, thú y và quản lý.</a:t>
+            </a:r>
+            <a:endParaRPr lang="en-US" sz="2800" dirty="0">
+              <a:solidFill>
+                <a:schemeClr val="bg1"/>
+              </a:solidFill>
+              <a:latin typeface="Arial" panose="020B0604020202020204" pitchFamily="34" charset="0"/>
+              <a:cs typeface="Arial" panose="020B0604020202020204" pitchFamily="34" charset="0"/>
+            </a:endParaRPr>
+          </a:p>
+        </p:txBody>
+      </p:sp>
+      <p:sp>
+        <p:nvSpPr>
+          <p:cNvPr id="10" name="TextBox 9">
+            <a:extLst>
+              <a:ext uri="{FF2B5EF4-FFF2-40B4-BE49-F238E27FC236}">
+                <a16:creationId xmlns:a16="http://schemas.microsoft.com/office/drawing/2014/main" id="{A2743B48-3088-E91A-1EEA-FC74DBAA6E59}"/>
+              </a:ext>
+            </a:extLst>
+          </p:cNvPr>
+          <p:cNvSpPr txBox="1"/>
+          <p:nvPr/>
+        </p:nvSpPr>
+        <p:spPr>
+          <a:xfrm>
+            <a:off x="594360" y="3783078"/>
+            <a:ext cx="3998794" cy="523220"/>
+          </a:xfrm>
+          <a:prstGeom prst="rect">
+            <a:avLst/>
+          </a:prstGeom>
+          <a:noFill/>
+        </p:spPr>
+        <p:txBody>
+          <a:bodyPr wrap="square" rtlCol="0">
+            <a:spAutoFit/>
+          </a:bodyPr>
+          <a:lstStyle/>
+          <a:p>
+            <a:r>
+              <a:rPr lang="en-US" sz="2800" dirty="0">
+                <a:solidFill>
+                  <a:schemeClr val="bg1"/>
+                </a:solidFill>
+                <a:latin typeface="Arial" panose="020B0604020202020204" pitchFamily="34" charset="0"/>
+                <a:ea typeface="Segoe UI Historic" panose="020B0502040204020203" pitchFamily="34" charset="0"/>
+                <a:cs typeface="Arial" panose="020B0604020202020204" pitchFamily="34" charset="0"/>
+              </a:rPr>
+              <a:t>- Process (</a:t>
+            </a:r>
+            <a:r>
+              <a:rPr lang="en-US" sz="2800" b="0" i="0" dirty="0">
+                <a:solidFill>
+                  <a:schemeClr val="bg1"/>
+                </a:solidFill>
+                <a:effectLst/>
+                <a:latin typeface="Arial" panose="020B0604020202020204" pitchFamily="34" charset="0"/>
+                <a:ea typeface="Segoe UI Historic" panose="020B0502040204020203" pitchFamily="34" charset="0"/>
+                <a:cs typeface="Arial" panose="020B0604020202020204" pitchFamily="34" charset="0"/>
+              </a:rPr>
+              <a:t>Quy </a:t>
+            </a:r>
+            <a:r>
+              <a:rPr lang="en-US" sz="2800" b="0" i="0" dirty="0" err="1">
+                <a:solidFill>
+                  <a:schemeClr val="bg1"/>
+                </a:solidFill>
+                <a:effectLst/>
+                <a:latin typeface="Arial" panose="020B0604020202020204" pitchFamily="34" charset="0"/>
+                <a:ea typeface="Segoe UI Historic" panose="020B0502040204020203" pitchFamily="34" charset="0"/>
+                <a:cs typeface="Arial" panose="020B0604020202020204" pitchFamily="34" charset="0"/>
+              </a:rPr>
+              <a:t>trình</a:t>
+            </a:r>
+            <a:r>
+              <a:rPr lang="en-US" sz="2800" b="0" i="0" dirty="0">
+                <a:solidFill>
+                  <a:schemeClr val="bg1"/>
+                </a:solidFill>
+                <a:effectLst/>
+                <a:latin typeface="Arial" panose="020B0604020202020204" pitchFamily="34" charset="0"/>
+                <a:ea typeface="Segoe UI Historic" panose="020B0502040204020203" pitchFamily="34" charset="0"/>
+                <a:cs typeface="Arial" panose="020B0604020202020204" pitchFamily="34" charset="0"/>
+              </a:rPr>
+              <a:t>):</a:t>
+            </a:r>
+            <a:endParaRPr lang="en-US" sz="2800" dirty="0">
+              <a:solidFill>
+                <a:schemeClr val="bg1"/>
+              </a:solidFill>
+              <a:latin typeface="Arial" panose="020B0604020202020204" pitchFamily="34" charset="0"/>
+              <a:ea typeface="Segoe UI Historic" panose="020B0502040204020203" pitchFamily="34" charset="0"/>
+              <a:cs typeface="Arial" panose="020B0604020202020204" pitchFamily="34" charset="0"/>
+            </a:endParaRPr>
+          </a:p>
+        </p:txBody>
+      </p:sp>
+      <p:sp>
+        <p:nvSpPr>
+          <p:cNvPr id="11" name="Rectangle 1">
+            <a:extLst>
+              <a:ext uri="{FF2B5EF4-FFF2-40B4-BE49-F238E27FC236}">
+                <a16:creationId xmlns:a16="http://schemas.microsoft.com/office/drawing/2014/main" id="{E45633AA-4BC3-2869-EA16-8269C9BC7C2A}"/>
+              </a:ext>
+            </a:extLst>
+          </p:cNvPr>
+          <p:cNvSpPr>
+            <a:spLocks noChangeArrowheads="1"/>
+          </p:cNvSpPr>
+          <p:nvPr/>
+        </p:nvSpPr>
+        <p:spPr bwMode="auto">
+          <a:xfrm>
+            <a:off x="945106" y="4229497"/>
+            <a:ext cx="10873739" cy="523220"/>
+          </a:xfrm>
+          <a:prstGeom prst="rect">
+            <a:avLst/>
+          </a:prstGeom>
+          <a:noFill/>
+          <a:ln>
+            <a:noFill/>
+          </a:ln>
+          <a:effectLst/>
+          <a:extLst>
+            <a:ext uri="{909E8E84-426E-40DD-AFC4-6F175D3DCCD1}">
+              <a14:hiddenFill xmlns:a14="http://schemas.microsoft.com/office/drawing/2010/main">
+                <a:solidFill>
+                  <a:schemeClr val="accent1"/>
+                </a:solidFill>
+              </a14:hiddenFill>
+            </a:ext>
+            <a:ext uri="{91240B29-F687-4F45-9708-019B960494DF}">
+              <a14:hiddenLine xmlns:a14="http://schemas.microsoft.com/office/drawing/2010/main" w="9525">
+                <a:solidFill>
+                  <a:schemeClr val="tx1"/>
+                </a:solidFill>
+                <a:miter lim="800000"/>
+                <a:headEnd/>
+                <a:tailEnd/>
+              </a14:hiddenLine>
+            </a:ext>
+            <a:ext uri="{AF507438-7753-43E0-B8FC-AC1667EBCBE1}">
+              <a14:hiddenEffects xmlns:a14="http://schemas.microsoft.com/office/drawing/2010/main">
+                <a:effectLst>
+                  <a:outerShdw dist="35921" dir="2700000" algn="ctr" rotWithShape="0">
+                    <a:schemeClr val="bg2"/>
+                  </a:outerShdw>
+                </a:effectLst>
+              </a14:hiddenEffects>
+            </a:ext>
+          </a:extLst>
+        </p:spPr>
+        <p:txBody>
+          <a:bodyPr vert="horz" wrap="square" lIns="91440" tIns="45720" rIns="91440" bIns="45720" numCol="1" anchor="ctr" anchorCtr="0" compatLnSpc="1">
+            <a:prstTxWarp prst="textNoShape">
+              <a:avLst/>
+            </a:prstTxWarp>
+            <a:spAutoFit/>
+          </a:bodyPr>
+          <a:lstStyle/>
+          <a:p>
+            <a:pPr marL="0" marR="0" lvl="0" indent="0" algn="l" defTabSz="914400" rtl="0" eaLnBrk="0" fontAlgn="base" latinLnBrk="0" hangingPunct="0">
+              <a:lnSpc>
+                <a:spcPct val="100000"/>
+              </a:lnSpc>
+              <a:spcBef>
+                <a:spcPct val="0"/>
+              </a:spcBef>
+              <a:spcAft>
+                <a:spcPct val="0"/>
+              </a:spcAft>
+              <a:buClrTx/>
+              <a:buSzTx/>
+              <a:tabLst/>
+            </a:pPr>
+            <a:r>
+              <a:rPr kumimoji="0" lang="en-US" altLang="en-US" sz="2800" b="0" i="0" u="none" strike="noStrike" cap="none" normalizeH="0" baseline="0" dirty="0">
+                <a:ln>
+                  <a:noFill/>
+                </a:ln>
+                <a:solidFill>
+                  <a:schemeClr val="bg1"/>
+                </a:solidFill>
+                <a:effectLst/>
+                <a:latin typeface="Arial" panose="020B0604020202020204" pitchFamily="34" charset="0"/>
+              </a:rPr>
+              <a:t>+ </a:t>
+            </a:r>
+            <a:r>
+              <a:rPr kumimoji="0" lang="en-US" altLang="en-US" sz="2800" b="0" i="0" u="none" strike="noStrike" cap="none" normalizeH="0" baseline="0" dirty="0" err="1">
+                <a:ln>
+                  <a:noFill/>
+                </a:ln>
+                <a:solidFill>
+                  <a:schemeClr val="bg1"/>
+                </a:solidFill>
+                <a:effectLst/>
+                <a:latin typeface="Arial" panose="020B0604020202020204" pitchFamily="34" charset="0"/>
+              </a:rPr>
+              <a:t>Thất</a:t>
+            </a:r>
+            <a:r>
+              <a:rPr kumimoji="0" lang="en-US" altLang="en-US" sz="2800" b="0" i="0" u="none" strike="noStrike" cap="none" normalizeH="0" baseline="0" dirty="0">
+                <a:ln>
+                  <a:noFill/>
+                </a:ln>
+                <a:solidFill>
+                  <a:schemeClr val="bg1"/>
+                </a:solidFill>
+                <a:effectLst/>
+                <a:latin typeface="Arial" panose="020B0604020202020204" pitchFamily="34" charset="0"/>
+              </a:rPr>
+              <a:t> </a:t>
+            </a:r>
+            <a:r>
+              <a:rPr kumimoji="0" lang="en-US" altLang="en-US" sz="2800" b="0" i="0" u="none" strike="noStrike" cap="none" normalizeH="0" baseline="0" dirty="0" err="1">
+                <a:ln>
+                  <a:noFill/>
+                </a:ln>
+                <a:solidFill>
+                  <a:schemeClr val="bg1"/>
+                </a:solidFill>
+                <a:effectLst/>
+                <a:latin typeface="Arial" panose="020B0604020202020204" pitchFamily="34" charset="0"/>
+              </a:rPr>
+              <a:t>thoát</a:t>
+            </a:r>
+            <a:r>
+              <a:rPr kumimoji="0" lang="en-US" altLang="en-US" sz="2800" b="0" i="0" u="none" strike="noStrike" cap="none" normalizeH="0" baseline="0" dirty="0">
+                <a:ln>
+                  <a:noFill/>
+                </a:ln>
+                <a:solidFill>
+                  <a:schemeClr val="bg1"/>
+                </a:solidFill>
+                <a:effectLst/>
+                <a:latin typeface="Arial" panose="020B0604020202020204" pitchFamily="34" charset="0"/>
+              </a:rPr>
+              <a:t> </a:t>
+            </a:r>
+            <a:r>
+              <a:rPr kumimoji="0" lang="en-US" altLang="en-US" sz="2800" b="0" i="0" u="none" strike="noStrike" cap="none" normalizeH="0" baseline="0" dirty="0" err="1">
+                <a:ln>
+                  <a:noFill/>
+                </a:ln>
+                <a:solidFill>
+                  <a:schemeClr val="bg1"/>
+                </a:solidFill>
+                <a:effectLst/>
+                <a:latin typeface="Arial" panose="020B0604020202020204" pitchFamily="34" charset="0"/>
+              </a:rPr>
+              <a:t>tài</a:t>
+            </a:r>
+            <a:r>
+              <a:rPr kumimoji="0" lang="en-US" altLang="en-US" sz="2800" b="0" i="0" u="none" strike="noStrike" cap="none" normalizeH="0" baseline="0" dirty="0">
+                <a:ln>
+                  <a:noFill/>
+                </a:ln>
+                <a:solidFill>
+                  <a:schemeClr val="bg1"/>
+                </a:solidFill>
+                <a:effectLst/>
+                <a:latin typeface="Arial" panose="020B0604020202020204" pitchFamily="34" charset="0"/>
+              </a:rPr>
+              <a:t> </a:t>
+            </a:r>
+            <a:r>
+              <a:rPr kumimoji="0" lang="en-US" altLang="en-US" sz="2800" b="0" i="0" u="none" strike="noStrike" cap="none" normalizeH="0" baseline="0" dirty="0" err="1">
+                <a:ln>
+                  <a:noFill/>
+                </a:ln>
+                <a:solidFill>
+                  <a:schemeClr val="bg1"/>
+                </a:solidFill>
+                <a:effectLst/>
+                <a:latin typeface="Arial" panose="020B0604020202020204" pitchFamily="34" charset="0"/>
+              </a:rPr>
+              <a:t>chính</a:t>
+            </a:r>
+            <a:r>
+              <a:rPr kumimoji="0" lang="en-US" altLang="en-US" sz="2800" b="0" i="0" u="none" strike="noStrike" cap="none" normalizeH="0" baseline="0" dirty="0">
+                <a:ln>
+                  <a:noFill/>
+                </a:ln>
+                <a:solidFill>
+                  <a:schemeClr val="bg1"/>
+                </a:solidFill>
+                <a:effectLst/>
+                <a:latin typeface="Arial" panose="020B0604020202020204" pitchFamily="34" charset="0"/>
+              </a:rPr>
+              <a:t> do </a:t>
+            </a:r>
+            <a:r>
+              <a:rPr kumimoji="0" lang="en-US" altLang="en-US" sz="2800" b="0" i="0" u="none" strike="noStrike" cap="none" normalizeH="0" baseline="0" dirty="0" err="1">
+                <a:ln>
+                  <a:noFill/>
+                </a:ln>
+                <a:solidFill>
+                  <a:schemeClr val="bg1"/>
+                </a:solidFill>
+                <a:effectLst/>
+                <a:latin typeface="Arial" panose="020B0604020202020204" pitchFamily="34" charset="0"/>
+              </a:rPr>
+              <a:t>quản</a:t>
+            </a:r>
+            <a:r>
+              <a:rPr kumimoji="0" lang="en-US" altLang="en-US" sz="2800" b="0" i="0" u="none" strike="noStrike" cap="none" normalizeH="0" baseline="0" dirty="0">
+                <a:ln>
+                  <a:noFill/>
+                </a:ln>
+                <a:solidFill>
+                  <a:schemeClr val="bg1"/>
+                </a:solidFill>
+                <a:effectLst/>
+                <a:latin typeface="Arial" panose="020B0604020202020204" pitchFamily="34" charset="0"/>
+              </a:rPr>
+              <a:t> </a:t>
+            </a:r>
+            <a:r>
+              <a:rPr kumimoji="0" lang="en-US" altLang="en-US" sz="2800" b="0" i="0" u="none" strike="noStrike" cap="none" normalizeH="0" baseline="0" dirty="0" err="1">
+                <a:ln>
+                  <a:noFill/>
+                </a:ln>
+                <a:solidFill>
+                  <a:schemeClr val="bg1"/>
+                </a:solidFill>
+                <a:effectLst/>
+                <a:latin typeface="Arial" panose="020B0604020202020204" pitchFamily="34" charset="0"/>
+              </a:rPr>
+              <a:t>lý</a:t>
+            </a:r>
+            <a:r>
+              <a:rPr kumimoji="0" lang="en-US" altLang="en-US" sz="2800" b="0" i="0" u="none" strike="noStrike" cap="none" normalizeH="0" baseline="0" dirty="0">
+                <a:ln>
+                  <a:noFill/>
+                </a:ln>
+                <a:solidFill>
+                  <a:schemeClr val="bg1"/>
+                </a:solidFill>
+                <a:effectLst/>
+                <a:latin typeface="Arial" panose="020B0604020202020204" pitchFamily="34" charset="0"/>
+              </a:rPr>
+              <a:t> </a:t>
+            </a:r>
+            <a:r>
+              <a:rPr kumimoji="0" lang="en-US" altLang="en-US" sz="2800" b="0" i="0" u="none" strike="noStrike" cap="none" normalizeH="0" baseline="0" dirty="0" err="1">
+                <a:ln>
+                  <a:noFill/>
+                </a:ln>
+                <a:solidFill>
+                  <a:schemeClr val="bg1"/>
+                </a:solidFill>
+                <a:effectLst/>
+                <a:latin typeface="Arial" panose="020B0604020202020204" pitchFamily="34" charset="0"/>
+              </a:rPr>
+              <a:t>không</a:t>
+            </a:r>
+            <a:r>
+              <a:rPr kumimoji="0" lang="en-US" altLang="en-US" sz="2800" b="0" i="0" u="none" strike="noStrike" cap="none" normalizeH="0" baseline="0" dirty="0">
+                <a:ln>
+                  <a:noFill/>
+                </a:ln>
+                <a:solidFill>
+                  <a:schemeClr val="bg1"/>
+                </a:solidFill>
+                <a:effectLst/>
+                <a:latin typeface="Arial" panose="020B0604020202020204" pitchFamily="34" charset="0"/>
+              </a:rPr>
+              <a:t> </a:t>
+            </a:r>
+            <a:r>
+              <a:rPr kumimoji="0" lang="en-US" altLang="en-US" sz="2800" b="0" i="0" u="none" strike="noStrike" cap="none" normalizeH="0" baseline="0" dirty="0" err="1">
+                <a:ln>
+                  <a:noFill/>
+                </a:ln>
+                <a:solidFill>
+                  <a:schemeClr val="bg1"/>
+                </a:solidFill>
+                <a:effectLst/>
+                <a:latin typeface="Arial" panose="020B0604020202020204" pitchFamily="34" charset="0"/>
+              </a:rPr>
+              <a:t>chặt</a:t>
+            </a:r>
+            <a:r>
+              <a:rPr kumimoji="0" lang="en-US" altLang="en-US" sz="2800" b="0" i="0" u="none" strike="noStrike" cap="none" normalizeH="0" baseline="0" dirty="0">
+                <a:ln>
+                  <a:noFill/>
+                </a:ln>
+                <a:solidFill>
+                  <a:schemeClr val="bg1"/>
+                </a:solidFill>
+                <a:effectLst/>
+                <a:latin typeface="Arial" panose="020B0604020202020204" pitchFamily="34" charset="0"/>
+              </a:rPr>
+              <a:t> </a:t>
+            </a:r>
+            <a:r>
+              <a:rPr kumimoji="0" lang="en-US" altLang="en-US" sz="2800" b="0" i="0" u="none" strike="noStrike" cap="none" normalizeH="0" baseline="0" dirty="0" err="1">
+                <a:ln>
+                  <a:noFill/>
+                </a:ln>
+                <a:solidFill>
+                  <a:schemeClr val="bg1"/>
+                </a:solidFill>
+                <a:effectLst/>
+                <a:latin typeface="Arial" panose="020B0604020202020204" pitchFamily="34" charset="0"/>
+              </a:rPr>
+              <a:t>chẽ</a:t>
+            </a:r>
+            <a:r>
+              <a:rPr kumimoji="0" lang="en-US" altLang="en-US" sz="2800" b="0" i="0" u="none" strike="noStrike" cap="none" normalizeH="0" baseline="0" dirty="0">
+                <a:ln>
+                  <a:noFill/>
+                </a:ln>
+                <a:solidFill>
+                  <a:schemeClr val="bg1"/>
+                </a:solidFill>
+                <a:effectLst/>
+                <a:latin typeface="Arial" panose="020B0604020202020204" pitchFamily="34" charset="0"/>
+              </a:rPr>
+              <a:t>. </a:t>
+            </a:r>
+          </a:p>
+        </p:txBody>
+      </p:sp>
+      <p:sp>
+        <p:nvSpPr>
+          <p:cNvPr id="13" name="TextBox 12">
+            <a:extLst>
+              <a:ext uri="{FF2B5EF4-FFF2-40B4-BE49-F238E27FC236}">
+                <a16:creationId xmlns:a16="http://schemas.microsoft.com/office/drawing/2014/main" id="{B631EB90-F9B9-5C33-B90E-97ABE3856FBC}"/>
+              </a:ext>
+            </a:extLst>
+          </p:cNvPr>
+          <p:cNvSpPr txBox="1"/>
+          <p:nvPr/>
+        </p:nvSpPr>
+        <p:spPr>
+          <a:xfrm>
+            <a:off x="945106" y="4752717"/>
+            <a:ext cx="10873739" cy="523220"/>
+          </a:xfrm>
+          <a:prstGeom prst="rect">
+            <a:avLst/>
+          </a:prstGeom>
+          <a:noFill/>
+        </p:spPr>
+        <p:txBody>
+          <a:bodyPr wrap="square">
+            <a:spAutoFit/>
+          </a:bodyPr>
+          <a:lstStyle/>
+          <a:p>
+            <a:pPr marL="0" marR="0" lvl="0" indent="0" algn="l" defTabSz="914400" rtl="0" eaLnBrk="0" fontAlgn="base" latinLnBrk="0" hangingPunct="0">
+              <a:lnSpc>
+                <a:spcPct val="100000"/>
+              </a:lnSpc>
+              <a:spcBef>
+                <a:spcPct val="0"/>
+              </a:spcBef>
+              <a:spcAft>
+                <a:spcPct val="0"/>
+              </a:spcAft>
+              <a:buClrTx/>
+              <a:buSzTx/>
+              <a:tabLst/>
+            </a:pPr>
+            <a:r>
+              <a:rPr kumimoji="0" lang="en-US" altLang="en-US" sz="2800" b="0" i="0" u="none" strike="noStrike" cap="none" normalizeH="0" baseline="0" dirty="0">
+                <a:ln>
+                  <a:noFill/>
+                </a:ln>
+                <a:solidFill>
+                  <a:schemeClr val="bg1"/>
+                </a:solidFill>
+                <a:effectLst/>
+                <a:latin typeface="Arial" panose="020B0604020202020204" pitchFamily="34" charset="0"/>
+              </a:rPr>
+              <a:t>+ </a:t>
+            </a:r>
+            <a:r>
+              <a:rPr kumimoji="0" lang="en-US" altLang="en-US" sz="2800" b="0" i="0" u="none" strike="noStrike" cap="none" normalizeH="0" baseline="0" dirty="0" err="1">
+                <a:ln>
+                  <a:noFill/>
+                </a:ln>
+                <a:solidFill>
+                  <a:schemeClr val="bg1"/>
+                </a:solidFill>
+                <a:effectLst/>
+                <a:latin typeface="Arial" panose="020B0604020202020204" pitchFamily="34" charset="0"/>
+              </a:rPr>
+              <a:t>Ghi</a:t>
+            </a:r>
+            <a:r>
+              <a:rPr kumimoji="0" lang="en-US" altLang="en-US" sz="2800" b="0" i="0" u="none" strike="noStrike" cap="none" normalizeH="0" baseline="0" dirty="0">
+                <a:ln>
+                  <a:noFill/>
+                </a:ln>
+                <a:solidFill>
+                  <a:schemeClr val="bg1"/>
+                </a:solidFill>
+                <a:effectLst/>
+                <a:latin typeface="Arial" panose="020B0604020202020204" pitchFamily="34" charset="0"/>
+              </a:rPr>
+              <a:t> </a:t>
+            </a:r>
+            <a:r>
+              <a:rPr kumimoji="0" lang="en-US" altLang="en-US" sz="2800" b="0" i="0" u="none" strike="noStrike" cap="none" normalizeH="0" baseline="0" dirty="0" err="1">
+                <a:ln>
+                  <a:noFill/>
+                </a:ln>
+                <a:solidFill>
+                  <a:schemeClr val="bg1"/>
+                </a:solidFill>
+                <a:effectLst/>
+                <a:latin typeface="Arial" panose="020B0604020202020204" pitchFamily="34" charset="0"/>
+              </a:rPr>
+              <a:t>chép</a:t>
+            </a:r>
+            <a:r>
+              <a:rPr kumimoji="0" lang="en-US" altLang="en-US" sz="2800" b="0" i="0" u="none" strike="noStrike" cap="none" normalizeH="0" baseline="0" dirty="0">
+                <a:ln>
+                  <a:noFill/>
+                </a:ln>
+                <a:solidFill>
+                  <a:schemeClr val="bg1"/>
+                </a:solidFill>
+                <a:effectLst/>
+                <a:latin typeface="Arial" panose="020B0604020202020204" pitchFamily="34" charset="0"/>
+              </a:rPr>
+              <a:t> </a:t>
+            </a:r>
+            <a:r>
+              <a:rPr kumimoji="0" lang="en-US" altLang="en-US" sz="2800" b="0" i="0" u="none" strike="noStrike" cap="none" normalizeH="0" baseline="0" dirty="0" err="1">
+                <a:ln>
+                  <a:noFill/>
+                </a:ln>
+                <a:solidFill>
+                  <a:schemeClr val="bg1"/>
+                </a:solidFill>
+                <a:effectLst/>
+                <a:latin typeface="Arial" panose="020B0604020202020204" pitchFamily="34" charset="0"/>
+              </a:rPr>
+              <a:t>thủ</a:t>
+            </a:r>
+            <a:r>
+              <a:rPr kumimoji="0" lang="en-US" altLang="en-US" sz="2800" b="0" i="0" u="none" strike="noStrike" cap="none" normalizeH="0" baseline="0" dirty="0">
+                <a:ln>
+                  <a:noFill/>
+                </a:ln>
+                <a:solidFill>
+                  <a:schemeClr val="bg1"/>
+                </a:solidFill>
+                <a:effectLst/>
+                <a:latin typeface="Arial" panose="020B0604020202020204" pitchFamily="34" charset="0"/>
+              </a:rPr>
+              <a:t> </a:t>
+            </a:r>
+            <a:r>
+              <a:rPr kumimoji="0" lang="en-US" altLang="en-US" sz="2800" b="0" i="0" u="none" strike="noStrike" cap="none" normalizeH="0" baseline="0" dirty="0" err="1">
+                <a:ln>
+                  <a:noFill/>
+                </a:ln>
+                <a:solidFill>
+                  <a:schemeClr val="bg1"/>
+                </a:solidFill>
+                <a:effectLst/>
+                <a:latin typeface="Arial" panose="020B0604020202020204" pitchFamily="34" charset="0"/>
+              </a:rPr>
+              <a:t>công</a:t>
+            </a:r>
+            <a:r>
+              <a:rPr kumimoji="0" lang="en-US" altLang="en-US" sz="2800" b="0" i="0" u="none" strike="noStrike" cap="none" normalizeH="0" baseline="0" dirty="0">
+                <a:ln>
+                  <a:noFill/>
+                </a:ln>
+                <a:solidFill>
+                  <a:schemeClr val="bg1"/>
+                </a:solidFill>
+                <a:effectLst/>
+                <a:latin typeface="Arial" panose="020B0604020202020204" pitchFamily="34" charset="0"/>
+              </a:rPr>
+              <a:t>, </a:t>
+            </a:r>
+            <a:r>
+              <a:rPr kumimoji="0" lang="en-US" altLang="en-US" sz="2800" b="0" i="0" u="none" strike="noStrike" cap="none" normalizeH="0" baseline="0" dirty="0" err="1">
+                <a:ln>
+                  <a:noFill/>
+                </a:ln>
+                <a:solidFill>
+                  <a:schemeClr val="bg1"/>
+                </a:solidFill>
+                <a:effectLst/>
+                <a:latin typeface="Arial" panose="020B0604020202020204" pitchFamily="34" charset="0"/>
+              </a:rPr>
+              <a:t>khó</a:t>
+            </a:r>
+            <a:r>
+              <a:rPr kumimoji="0" lang="en-US" altLang="en-US" sz="2800" b="0" i="0" u="none" strike="noStrike" cap="none" normalizeH="0" baseline="0" dirty="0">
+                <a:ln>
+                  <a:noFill/>
+                </a:ln>
+                <a:solidFill>
+                  <a:schemeClr val="bg1"/>
+                </a:solidFill>
+                <a:effectLst/>
+                <a:latin typeface="Arial" panose="020B0604020202020204" pitchFamily="34" charset="0"/>
+              </a:rPr>
+              <a:t> </a:t>
+            </a:r>
+            <a:r>
+              <a:rPr kumimoji="0" lang="en-US" altLang="en-US" sz="2800" b="0" i="0" u="none" strike="noStrike" cap="none" normalizeH="0" baseline="0" dirty="0" err="1">
+                <a:ln>
+                  <a:noFill/>
+                </a:ln>
+                <a:solidFill>
+                  <a:schemeClr val="bg1"/>
+                </a:solidFill>
+                <a:effectLst/>
+                <a:latin typeface="Arial" panose="020B0604020202020204" pitchFamily="34" charset="0"/>
+              </a:rPr>
+              <a:t>theo</a:t>
+            </a:r>
+            <a:r>
+              <a:rPr kumimoji="0" lang="en-US" altLang="en-US" sz="2800" b="0" i="0" u="none" strike="noStrike" cap="none" normalizeH="0" baseline="0" dirty="0">
+                <a:ln>
+                  <a:noFill/>
+                </a:ln>
+                <a:solidFill>
+                  <a:schemeClr val="bg1"/>
+                </a:solidFill>
+                <a:effectLst/>
+                <a:latin typeface="Arial" panose="020B0604020202020204" pitchFamily="34" charset="0"/>
+              </a:rPr>
+              <a:t> </a:t>
+            </a:r>
+            <a:r>
+              <a:rPr kumimoji="0" lang="en-US" altLang="en-US" sz="2800" b="0" i="0" u="none" strike="noStrike" cap="none" normalizeH="0" baseline="0" dirty="0" err="1">
+                <a:ln>
+                  <a:noFill/>
+                </a:ln>
+                <a:solidFill>
+                  <a:schemeClr val="bg1"/>
+                </a:solidFill>
+                <a:effectLst/>
+                <a:latin typeface="Arial" panose="020B0604020202020204" pitchFamily="34" charset="0"/>
+              </a:rPr>
+              <a:t>dõi</a:t>
+            </a:r>
+            <a:r>
+              <a:rPr kumimoji="0" lang="en-US" altLang="en-US" sz="2800" b="0" i="0" u="none" strike="noStrike" cap="none" normalizeH="0" baseline="0" dirty="0">
+                <a:ln>
+                  <a:noFill/>
+                </a:ln>
+                <a:solidFill>
+                  <a:schemeClr val="bg1"/>
+                </a:solidFill>
+                <a:effectLst/>
+                <a:latin typeface="Arial" panose="020B0604020202020204" pitchFamily="34" charset="0"/>
+              </a:rPr>
+              <a:t> </a:t>
+            </a:r>
+            <a:r>
+              <a:rPr kumimoji="0" lang="en-US" altLang="en-US" sz="2800" b="0" i="0" u="none" strike="noStrike" cap="none" normalizeH="0" baseline="0" dirty="0" err="1">
+                <a:ln>
+                  <a:noFill/>
+                </a:ln>
+                <a:solidFill>
+                  <a:schemeClr val="bg1"/>
+                </a:solidFill>
+                <a:effectLst/>
+                <a:latin typeface="Arial" panose="020B0604020202020204" pitchFamily="34" charset="0"/>
+              </a:rPr>
+              <a:t>lịch</a:t>
+            </a:r>
+            <a:r>
+              <a:rPr kumimoji="0" lang="en-US" altLang="en-US" sz="2800" b="0" i="0" u="none" strike="noStrike" cap="none" normalizeH="0" baseline="0" dirty="0">
+                <a:ln>
+                  <a:noFill/>
+                </a:ln>
+                <a:solidFill>
+                  <a:schemeClr val="bg1"/>
+                </a:solidFill>
+                <a:effectLst/>
+                <a:latin typeface="Arial" panose="020B0604020202020204" pitchFamily="34" charset="0"/>
+              </a:rPr>
+              <a:t> </a:t>
+            </a:r>
+            <a:r>
+              <a:rPr kumimoji="0" lang="en-US" altLang="en-US" sz="2800" b="0" i="0" u="none" strike="noStrike" cap="none" normalizeH="0" baseline="0" dirty="0" err="1">
+                <a:ln>
+                  <a:noFill/>
+                </a:ln>
+                <a:solidFill>
+                  <a:schemeClr val="bg1"/>
+                </a:solidFill>
+                <a:effectLst/>
+                <a:latin typeface="Arial" panose="020B0604020202020204" pitchFamily="34" charset="0"/>
+              </a:rPr>
+              <a:t>sử</a:t>
+            </a:r>
+            <a:r>
+              <a:rPr kumimoji="0" lang="en-US" altLang="en-US" sz="2800" b="0" i="0" u="none" strike="noStrike" cap="none" normalizeH="0" baseline="0" dirty="0">
+                <a:ln>
+                  <a:noFill/>
+                </a:ln>
+                <a:solidFill>
+                  <a:schemeClr val="bg1"/>
+                </a:solidFill>
+                <a:effectLst/>
+                <a:latin typeface="Arial" panose="020B0604020202020204" pitchFamily="34" charset="0"/>
+              </a:rPr>
+              <a:t> </a:t>
+            </a:r>
+            <a:r>
+              <a:rPr kumimoji="0" lang="en-US" altLang="en-US" sz="2800" b="0" i="0" u="none" strike="noStrike" cap="none" normalizeH="0" baseline="0" dirty="0" err="1">
+                <a:ln>
+                  <a:noFill/>
+                </a:ln>
+                <a:solidFill>
+                  <a:schemeClr val="bg1"/>
+                </a:solidFill>
+                <a:effectLst/>
+                <a:latin typeface="Arial" panose="020B0604020202020204" pitchFamily="34" charset="0"/>
+              </a:rPr>
+              <a:t>sức</a:t>
+            </a:r>
+            <a:r>
+              <a:rPr kumimoji="0" lang="en-US" altLang="en-US" sz="2800" b="0" i="0" u="none" strike="noStrike" cap="none" normalizeH="0" baseline="0" dirty="0">
+                <a:ln>
+                  <a:noFill/>
+                </a:ln>
+                <a:solidFill>
+                  <a:schemeClr val="bg1"/>
+                </a:solidFill>
+                <a:effectLst/>
+                <a:latin typeface="Arial" panose="020B0604020202020204" pitchFamily="34" charset="0"/>
+              </a:rPr>
+              <a:t> </a:t>
+            </a:r>
+            <a:r>
+              <a:rPr kumimoji="0" lang="en-US" altLang="en-US" sz="2800" b="0" i="0" u="none" strike="noStrike" cap="none" normalizeH="0" baseline="0" dirty="0" err="1">
+                <a:ln>
+                  <a:noFill/>
+                </a:ln>
+                <a:solidFill>
+                  <a:schemeClr val="bg1"/>
+                </a:solidFill>
+                <a:effectLst/>
+                <a:latin typeface="Arial" panose="020B0604020202020204" pitchFamily="34" charset="0"/>
+              </a:rPr>
+              <a:t>khỏe</a:t>
+            </a:r>
+            <a:r>
+              <a:rPr kumimoji="0" lang="en-US" altLang="en-US" sz="2800" b="0" i="0" u="none" strike="noStrike" cap="none" normalizeH="0" baseline="0" dirty="0">
+                <a:ln>
+                  <a:noFill/>
+                </a:ln>
+                <a:solidFill>
+                  <a:schemeClr val="bg1"/>
+                </a:solidFill>
+                <a:effectLst/>
+                <a:latin typeface="Arial" panose="020B0604020202020204" pitchFamily="34" charset="0"/>
+              </a:rPr>
+              <a:t> </a:t>
+            </a:r>
+            <a:r>
+              <a:rPr kumimoji="0" lang="en-US" altLang="en-US" sz="2800" b="0" i="0" u="none" strike="noStrike" cap="none" normalizeH="0" baseline="0" dirty="0" err="1">
+                <a:ln>
+                  <a:noFill/>
+                </a:ln>
+                <a:solidFill>
+                  <a:schemeClr val="bg1"/>
+                </a:solidFill>
+                <a:effectLst/>
+                <a:latin typeface="Arial" panose="020B0604020202020204" pitchFamily="34" charset="0"/>
+              </a:rPr>
+              <a:t>vật</a:t>
+            </a:r>
+            <a:r>
+              <a:rPr kumimoji="0" lang="en-US" altLang="en-US" sz="2800" b="0" i="0" u="none" strike="noStrike" cap="none" normalizeH="0" baseline="0" dirty="0">
+                <a:ln>
+                  <a:noFill/>
+                </a:ln>
+                <a:solidFill>
+                  <a:schemeClr val="bg1"/>
+                </a:solidFill>
+                <a:effectLst/>
+                <a:latin typeface="Arial" panose="020B0604020202020204" pitchFamily="34" charset="0"/>
+              </a:rPr>
+              <a:t> </a:t>
+            </a:r>
+            <a:r>
+              <a:rPr kumimoji="0" lang="en-US" altLang="en-US" sz="2800" b="0" i="0" u="none" strike="noStrike" cap="none" normalizeH="0" baseline="0" dirty="0" err="1">
+                <a:ln>
+                  <a:noFill/>
+                </a:ln>
+                <a:solidFill>
+                  <a:schemeClr val="bg1"/>
+                </a:solidFill>
+                <a:effectLst/>
+                <a:latin typeface="Arial" panose="020B0604020202020204" pitchFamily="34" charset="0"/>
+              </a:rPr>
+              <a:t>nuôi</a:t>
+            </a:r>
+            <a:r>
+              <a:rPr kumimoji="0" lang="en-US" altLang="en-US" sz="2800" b="0" i="0" u="none" strike="noStrike" cap="none" normalizeH="0" baseline="0" dirty="0">
+                <a:ln>
+                  <a:noFill/>
+                </a:ln>
+                <a:solidFill>
+                  <a:schemeClr val="bg1"/>
+                </a:solidFill>
+                <a:effectLst/>
+                <a:latin typeface="Arial" panose="020B0604020202020204" pitchFamily="34" charset="0"/>
+              </a:rPr>
+              <a:t>.</a:t>
+            </a:r>
+          </a:p>
+        </p:txBody>
+      </p:sp>
+      <p:sp>
+        <p:nvSpPr>
+          <p:cNvPr id="15" name="TextBox 14">
+            <a:extLst>
+              <a:ext uri="{FF2B5EF4-FFF2-40B4-BE49-F238E27FC236}">
+                <a16:creationId xmlns:a16="http://schemas.microsoft.com/office/drawing/2014/main" id="{B72115FA-76CE-E02A-0663-1F6629CFA2D6}"/>
+              </a:ext>
+            </a:extLst>
+          </p:cNvPr>
+          <p:cNvSpPr txBox="1"/>
+          <p:nvPr/>
+        </p:nvSpPr>
+        <p:spPr>
+          <a:xfrm>
+            <a:off x="945105" y="5242103"/>
+            <a:ext cx="10873739" cy="523220"/>
+          </a:xfrm>
+          <a:prstGeom prst="rect">
+            <a:avLst/>
+          </a:prstGeom>
+          <a:noFill/>
+        </p:spPr>
+        <p:txBody>
+          <a:bodyPr wrap="square">
+            <a:spAutoFit/>
+          </a:bodyPr>
+          <a:lstStyle/>
+          <a:p>
+            <a:pPr marL="0" marR="0" lvl="0" indent="0" algn="l" defTabSz="914400" rtl="0" eaLnBrk="0" fontAlgn="base" latinLnBrk="0" hangingPunct="0">
+              <a:lnSpc>
+                <a:spcPct val="100000"/>
+              </a:lnSpc>
+              <a:spcBef>
+                <a:spcPct val="0"/>
+              </a:spcBef>
+              <a:spcAft>
+                <a:spcPct val="0"/>
+              </a:spcAft>
+              <a:buClrTx/>
+              <a:buSzTx/>
+              <a:tabLst/>
+            </a:pPr>
+            <a:r>
+              <a:rPr kumimoji="0" lang="en-US" altLang="en-US" sz="2800" b="0" i="0" u="none" strike="noStrike" cap="none" normalizeH="0" baseline="0" dirty="0">
+                <a:ln>
+                  <a:noFill/>
+                </a:ln>
+                <a:solidFill>
+                  <a:schemeClr val="bg1"/>
+                </a:solidFill>
+                <a:effectLst/>
+                <a:latin typeface="Arial" panose="020B0604020202020204" pitchFamily="34" charset="0"/>
+              </a:rPr>
+              <a:t>+ </a:t>
+            </a:r>
+            <a:r>
+              <a:rPr kumimoji="0" lang="en-US" altLang="en-US" sz="2800" b="0" i="0" u="none" strike="noStrike" cap="none" normalizeH="0" baseline="0" dirty="0" err="1">
+                <a:ln>
+                  <a:noFill/>
+                </a:ln>
+                <a:solidFill>
+                  <a:schemeClr val="bg1"/>
+                </a:solidFill>
+                <a:effectLst/>
+                <a:latin typeface="Arial" panose="020B0604020202020204" pitchFamily="34" charset="0"/>
+              </a:rPr>
+              <a:t>Chưa</a:t>
+            </a:r>
+            <a:r>
+              <a:rPr kumimoji="0" lang="en-US" altLang="en-US" sz="2800" b="0" i="0" u="none" strike="noStrike" cap="none" normalizeH="0" baseline="0" dirty="0">
+                <a:ln>
+                  <a:noFill/>
+                </a:ln>
+                <a:solidFill>
+                  <a:schemeClr val="bg1"/>
+                </a:solidFill>
+                <a:effectLst/>
+                <a:latin typeface="Arial" panose="020B0604020202020204" pitchFamily="34" charset="0"/>
+              </a:rPr>
+              <a:t> </a:t>
+            </a:r>
+            <a:r>
+              <a:rPr kumimoji="0" lang="en-US" altLang="en-US" sz="2800" b="0" i="0" u="none" strike="noStrike" cap="none" normalizeH="0" baseline="0" dirty="0" err="1">
+                <a:ln>
+                  <a:noFill/>
+                </a:ln>
+                <a:solidFill>
+                  <a:schemeClr val="bg1"/>
+                </a:solidFill>
+                <a:effectLst/>
+                <a:latin typeface="Arial" panose="020B0604020202020204" pitchFamily="34" charset="0"/>
+              </a:rPr>
+              <a:t>tối</a:t>
+            </a:r>
+            <a:r>
+              <a:rPr kumimoji="0" lang="en-US" altLang="en-US" sz="2800" b="0" i="0" u="none" strike="noStrike" cap="none" normalizeH="0" baseline="0" dirty="0">
+                <a:ln>
+                  <a:noFill/>
+                </a:ln>
+                <a:solidFill>
+                  <a:schemeClr val="bg1"/>
+                </a:solidFill>
+                <a:effectLst/>
+                <a:latin typeface="Arial" panose="020B0604020202020204" pitchFamily="34" charset="0"/>
+              </a:rPr>
+              <a:t> </a:t>
+            </a:r>
+            <a:r>
+              <a:rPr kumimoji="0" lang="en-US" altLang="en-US" sz="2800" b="0" i="0" u="none" strike="noStrike" cap="none" normalizeH="0" baseline="0" dirty="0" err="1">
+                <a:ln>
+                  <a:noFill/>
+                </a:ln>
+                <a:solidFill>
+                  <a:schemeClr val="bg1"/>
+                </a:solidFill>
+                <a:effectLst/>
+                <a:latin typeface="Arial" panose="020B0604020202020204" pitchFamily="34" charset="0"/>
+              </a:rPr>
+              <a:t>ưu</a:t>
+            </a:r>
+            <a:r>
+              <a:rPr kumimoji="0" lang="en-US" altLang="en-US" sz="2800" b="0" i="0" u="none" strike="noStrike" cap="none" normalizeH="0" baseline="0" dirty="0">
+                <a:ln>
+                  <a:noFill/>
+                </a:ln>
+                <a:solidFill>
+                  <a:schemeClr val="bg1"/>
+                </a:solidFill>
+                <a:effectLst/>
+                <a:latin typeface="Arial" panose="020B0604020202020204" pitchFamily="34" charset="0"/>
+              </a:rPr>
+              <a:t> </a:t>
+            </a:r>
+            <a:r>
+              <a:rPr kumimoji="0" lang="en-US" altLang="en-US" sz="2800" b="0" i="0" u="none" strike="noStrike" cap="none" normalizeH="0" baseline="0" dirty="0" err="1">
+                <a:ln>
+                  <a:noFill/>
+                </a:ln>
+                <a:solidFill>
+                  <a:schemeClr val="bg1"/>
+                </a:solidFill>
+                <a:effectLst/>
+                <a:latin typeface="Arial" panose="020B0604020202020204" pitchFamily="34" charset="0"/>
+              </a:rPr>
+              <a:t>hóa</a:t>
+            </a:r>
+            <a:r>
+              <a:rPr kumimoji="0" lang="en-US" altLang="en-US" sz="2800" b="0" i="0" u="none" strike="noStrike" cap="none" normalizeH="0" baseline="0" dirty="0">
+                <a:ln>
+                  <a:noFill/>
+                </a:ln>
+                <a:solidFill>
+                  <a:schemeClr val="bg1"/>
+                </a:solidFill>
+                <a:effectLst/>
+                <a:latin typeface="Arial" panose="020B0604020202020204" pitchFamily="34" charset="0"/>
+              </a:rPr>
+              <a:t> </a:t>
+            </a:r>
+            <a:r>
+              <a:rPr kumimoji="0" lang="en-US" altLang="en-US" sz="2800" b="0" i="0" u="none" strike="noStrike" cap="none" normalizeH="0" baseline="0" dirty="0" err="1">
+                <a:ln>
+                  <a:noFill/>
+                </a:ln>
+                <a:solidFill>
+                  <a:schemeClr val="bg1"/>
+                </a:solidFill>
+                <a:effectLst/>
+                <a:latin typeface="Arial" panose="020B0604020202020204" pitchFamily="34" charset="0"/>
+              </a:rPr>
+              <a:t>dinh</a:t>
+            </a:r>
+            <a:r>
+              <a:rPr kumimoji="0" lang="en-US" altLang="en-US" sz="2800" b="0" i="0" u="none" strike="noStrike" cap="none" normalizeH="0" baseline="0" dirty="0">
+                <a:ln>
+                  <a:noFill/>
+                </a:ln>
+                <a:solidFill>
+                  <a:schemeClr val="bg1"/>
+                </a:solidFill>
+                <a:effectLst/>
+                <a:latin typeface="Arial" panose="020B0604020202020204" pitchFamily="34" charset="0"/>
+              </a:rPr>
+              <a:t> </a:t>
+            </a:r>
+            <a:r>
+              <a:rPr kumimoji="0" lang="en-US" altLang="en-US" sz="2800" b="0" i="0" u="none" strike="noStrike" cap="none" normalizeH="0" baseline="0" dirty="0" err="1">
+                <a:ln>
+                  <a:noFill/>
+                </a:ln>
+                <a:solidFill>
+                  <a:schemeClr val="bg1"/>
+                </a:solidFill>
+                <a:effectLst/>
+                <a:latin typeface="Arial" panose="020B0604020202020204" pitchFamily="34" charset="0"/>
+              </a:rPr>
+              <a:t>dưỡng</a:t>
+            </a:r>
+            <a:r>
+              <a:rPr kumimoji="0" lang="en-US" altLang="en-US" sz="2800" b="0" i="0" u="none" strike="noStrike" cap="none" normalizeH="0" baseline="0" dirty="0">
+                <a:ln>
+                  <a:noFill/>
+                </a:ln>
+                <a:solidFill>
+                  <a:schemeClr val="bg1"/>
+                </a:solidFill>
+                <a:effectLst/>
+                <a:latin typeface="Arial" panose="020B0604020202020204" pitchFamily="34" charset="0"/>
+              </a:rPr>
+              <a:t>, </a:t>
+            </a:r>
+            <a:r>
+              <a:rPr kumimoji="0" lang="en-US" altLang="en-US" sz="2800" b="0" i="0" u="none" strike="noStrike" cap="none" normalizeH="0" baseline="0" dirty="0" err="1">
+                <a:ln>
+                  <a:noFill/>
+                </a:ln>
+                <a:solidFill>
+                  <a:schemeClr val="bg1"/>
+                </a:solidFill>
+                <a:effectLst/>
+                <a:latin typeface="Arial" panose="020B0604020202020204" pitchFamily="34" charset="0"/>
+              </a:rPr>
+              <a:t>vệ</a:t>
+            </a:r>
+            <a:r>
+              <a:rPr kumimoji="0" lang="en-US" altLang="en-US" sz="2800" b="0" i="0" u="none" strike="noStrike" cap="none" normalizeH="0" baseline="0" dirty="0">
+                <a:ln>
+                  <a:noFill/>
+                </a:ln>
+                <a:solidFill>
+                  <a:schemeClr val="bg1"/>
+                </a:solidFill>
+                <a:effectLst/>
+                <a:latin typeface="Arial" panose="020B0604020202020204" pitchFamily="34" charset="0"/>
+              </a:rPr>
+              <a:t> </a:t>
+            </a:r>
+            <a:r>
+              <a:rPr kumimoji="0" lang="en-US" altLang="en-US" sz="2800" b="0" i="0" u="none" strike="noStrike" cap="none" normalizeH="0" baseline="0" dirty="0" err="1">
+                <a:ln>
+                  <a:noFill/>
+                </a:ln>
+                <a:solidFill>
+                  <a:schemeClr val="bg1"/>
+                </a:solidFill>
+                <a:effectLst/>
+                <a:latin typeface="Arial" panose="020B0604020202020204" pitchFamily="34" charset="0"/>
+              </a:rPr>
+              <a:t>sinh</a:t>
+            </a:r>
+            <a:r>
+              <a:rPr kumimoji="0" lang="en-US" altLang="en-US" sz="2800" b="0" i="0" u="none" strike="noStrike" cap="none" normalizeH="0" baseline="0" dirty="0">
+                <a:ln>
+                  <a:noFill/>
+                </a:ln>
+                <a:solidFill>
+                  <a:schemeClr val="bg1"/>
+                </a:solidFill>
+                <a:effectLst/>
+                <a:latin typeface="Arial" panose="020B0604020202020204" pitchFamily="34" charset="0"/>
+              </a:rPr>
+              <a:t> </a:t>
+            </a:r>
+            <a:r>
+              <a:rPr kumimoji="0" lang="en-US" altLang="en-US" sz="2800" b="0" i="0" u="none" strike="noStrike" cap="none" normalizeH="0" baseline="0" dirty="0" err="1">
+                <a:ln>
+                  <a:noFill/>
+                </a:ln>
+                <a:solidFill>
+                  <a:schemeClr val="bg1"/>
+                </a:solidFill>
+                <a:effectLst/>
+                <a:latin typeface="Arial" panose="020B0604020202020204" pitchFamily="34" charset="0"/>
+              </a:rPr>
+              <a:t>và</a:t>
+            </a:r>
+            <a:r>
+              <a:rPr kumimoji="0" lang="en-US" altLang="en-US" sz="2800" b="0" i="0" u="none" strike="noStrike" cap="none" normalizeH="0" baseline="0" dirty="0">
+                <a:ln>
+                  <a:noFill/>
+                </a:ln>
+                <a:solidFill>
+                  <a:schemeClr val="bg1"/>
+                </a:solidFill>
+                <a:effectLst/>
+                <a:latin typeface="Arial" panose="020B0604020202020204" pitchFamily="34" charset="0"/>
+              </a:rPr>
+              <a:t> </a:t>
+            </a:r>
+            <a:r>
+              <a:rPr kumimoji="0" lang="en-US" altLang="en-US" sz="2800" b="0" i="0" u="none" strike="noStrike" cap="none" normalizeH="0" baseline="0" dirty="0" err="1">
+                <a:ln>
+                  <a:noFill/>
+                </a:ln>
+                <a:solidFill>
+                  <a:schemeClr val="bg1"/>
+                </a:solidFill>
+                <a:effectLst/>
+                <a:latin typeface="Arial" panose="020B0604020202020204" pitchFamily="34" charset="0"/>
+              </a:rPr>
+              <a:t>phòng</a:t>
+            </a:r>
+            <a:r>
+              <a:rPr kumimoji="0" lang="en-US" altLang="en-US" sz="2800" b="0" i="0" u="none" strike="noStrike" cap="none" normalizeH="0" baseline="0" dirty="0">
+                <a:ln>
+                  <a:noFill/>
+                </a:ln>
+                <a:solidFill>
+                  <a:schemeClr val="bg1"/>
+                </a:solidFill>
+                <a:effectLst/>
+                <a:latin typeface="Arial" panose="020B0604020202020204" pitchFamily="34" charset="0"/>
+              </a:rPr>
+              <a:t> </a:t>
+            </a:r>
+            <a:r>
+              <a:rPr kumimoji="0" lang="en-US" altLang="en-US" sz="2800" b="0" i="0" u="none" strike="noStrike" cap="none" normalizeH="0" baseline="0" dirty="0" err="1">
+                <a:ln>
+                  <a:noFill/>
+                </a:ln>
+                <a:solidFill>
+                  <a:schemeClr val="bg1"/>
+                </a:solidFill>
+                <a:effectLst/>
+                <a:latin typeface="Arial" panose="020B0604020202020204" pitchFamily="34" charset="0"/>
+              </a:rPr>
+              <a:t>bệnh</a:t>
+            </a:r>
+            <a:r>
+              <a:rPr kumimoji="0" lang="en-US" altLang="en-US" sz="2800" b="0" i="0" u="none" strike="noStrike" cap="none" normalizeH="0" baseline="0" dirty="0">
+                <a:ln>
+                  <a:noFill/>
+                </a:ln>
+                <a:solidFill>
+                  <a:schemeClr val="bg1"/>
+                </a:solidFill>
+                <a:effectLst/>
+                <a:latin typeface="Arial" panose="020B0604020202020204" pitchFamily="34" charset="0"/>
+              </a:rPr>
+              <a:t>.</a:t>
+            </a:r>
+          </a:p>
+        </p:txBody>
+      </p:sp>
+    </p:spTree>
+    <p:extLst>
+      <p:ext uri="{BB962C8B-B14F-4D97-AF65-F5344CB8AC3E}">
+        <p14:creationId xmlns:p14="http://schemas.microsoft.com/office/powerpoint/2010/main" val="3956172390"/>
+      </p:ext>
+    </p:extLst>
+  </p:cSld>
+  <p:clrMapOvr>
+    <a:masterClrMapping/>
+  </p:clrMapOvr>
+</p:sld>
+</file>
+
+<file path=ppt/slides/slide3.xml><?xml version="1.0" encoding="utf-8"?>
+<p:sld xmlns:a="http://schemas.openxmlformats.org/drawingml/2006/main" xmlns:r="http://schemas.openxmlformats.org/officeDocument/2006/relationships" xmlns:p="http://schemas.openxmlformats.org/presentationml/2006/main">
+  <p:cSld>
+    <p:spTree>
+      <p:nvGrpSpPr>
+        <p:cNvPr id="1" name="">
+          <a:extLst>
+            <a:ext uri="{FF2B5EF4-FFF2-40B4-BE49-F238E27FC236}">
+              <a16:creationId xmlns:a16="http://schemas.microsoft.com/office/drawing/2014/main" id="{E61F813F-9DCD-D53C-C0CA-42109F150B00}"/>
+            </a:ext>
+          </a:extLst>
+        </p:cNvPr>
+        <p:cNvGrpSpPr/>
+        <p:nvPr/>
+      </p:nvGrpSpPr>
+      <p:grpSpPr>
+        <a:xfrm>
+          <a:off x="0" y="0"/>
+          <a:ext cx="0" cy="0"/>
+          <a:chOff x="0" y="0"/>
+          <a:chExt cx="0" cy="0"/>
+        </a:xfrm>
+      </p:grpSpPr>
+      <p:sp>
+        <p:nvSpPr>
+          <p:cNvPr id="2" name="Title 1">
+            <a:extLst>
+              <a:ext uri="{FF2B5EF4-FFF2-40B4-BE49-F238E27FC236}">
+                <a16:creationId xmlns:a16="http://schemas.microsoft.com/office/drawing/2014/main" id="{F5B734FB-8BEE-44A6-48CB-A00476C2A25D}"/>
+              </a:ext>
+            </a:extLst>
+          </p:cNvPr>
+          <p:cNvSpPr>
+            <a:spLocks noGrp="1"/>
+          </p:cNvSpPr>
+          <p:nvPr>
+            <p:ph type="title"/>
+          </p:nvPr>
+        </p:nvSpPr>
+        <p:spPr/>
+        <p:txBody>
+          <a:bodyPr/>
+          <a:lstStyle/>
+          <a:p>
+            <a:r>
+              <a:rPr lang="en-US" sz="4000" dirty="0" err="1">
+                <a:latin typeface="Arial" panose="020B0604020202020204" pitchFamily="34" charset="0"/>
+                <a:cs typeface="Arial" panose="020B0604020202020204" pitchFamily="34" charset="0"/>
+              </a:rPr>
+              <a:t>Đặt</a:t>
+            </a:r>
+            <a:r>
+              <a:rPr lang="en-US" sz="4000" dirty="0">
+                <a:latin typeface="Arial" panose="020B0604020202020204" pitchFamily="34" charset="0"/>
+                <a:cs typeface="Arial" panose="020B0604020202020204" pitchFamily="34" charset="0"/>
+              </a:rPr>
+              <a:t> </a:t>
+            </a:r>
+            <a:r>
+              <a:rPr lang="en-US" sz="4000" dirty="0" err="1">
+                <a:latin typeface="Arial" panose="020B0604020202020204" pitchFamily="34" charset="0"/>
+                <a:cs typeface="Arial" panose="020B0604020202020204" pitchFamily="34" charset="0"/>
+              </a:rPr>
+              <a:t>vấn</a:t>
+            </a:r>
+            <a:r>
+              <a:rPr lang="en-US" sz="4000" dirty="0">
+                <a:latin typeface="Arial" panose="020B0604020202020204" pitchFamily="34" charset="0"/>
+                <a:cs typeface="Arial" panose="020B0604020202020204" pitchFamily="34" charset="0"/>
+              </a:rPr>
+              <a:t> </a:t>
+            </a:r>
+            <a:r>
+              <a:rPr lang="en-US" sz="4000" dirty="0" err="1">
+                <a:latin typeface="Arial" panose="020B0604020202020204" pitchFamily="34" charset="0"/>
+                <a:cs typeface="Arial" panose="020B0604020202020204" pitchFamily="34" charset="0"/>
+              </a:rPr>
+              <a:t>đề</a:t>
+            </a:r>
+            <a:endParaRPr lang="en-US" sz="4000" dirty="0">
+              <a:latin typeface="Arial" panose="020B0604020202020204" pitchFamily="34" charset="0"/>
+              <a:cs typeface="Arial" panose="020B0604020202020204" pitchFamily="34" charset="0"/>
+            </a:endParaRPr>
+          </a:p>
+        </p:txBody>
+      </p:sp>
+      <p:sp>
+        <p:nvSpPr>
+          <p:cNvPr id="5" name="TextBox 4">
+            <a:extLst>
+              <a:ext uri="{FF2B5EF4-FFF2-40B4-BE49-F238E27FC236}">
+                <a16:creationId xmlns:a16="http://schemas.microsoft.com/office/drawing/2014/main" id="{9A3925FA-E948-A180-3C80-28F6D21F127B}"/>
+              </a:ext>
+            </a:extLst>
+          </p:cNvPr>
+          <p:cNvSpPr txBox="1"/>
+          <p:nvPr/>
+        </p:nvSpPr>
+        <p:spPr>
+          <a:xfrm>
+            <a:off x="594360" y="2276874"/>
+            <a:ext cx="3998794" cy="523220"/>
+          </a:xfrm>
+          <a:prstGeom prst="rect">
+            <a:avLst/>
+          </a:prstGeom>
+          <a:noFill/>
+        </p:spPr>
+        <p:txBody>
+          <a:bodyPr wrap="square" rtlCol="0">
+            <a:spAutoFit/>
+          </a:bodyPr>
+          <a:lstStyle/>
+          <a:p>
+            <a:r>
+              <a:rPr lang="en-US" sz="2800" dirty="0">
+                <a:solidFill>
+                  <a:schemeClr val="bg1"/>
+                </a:solidFill>
+                <a:latin typeface="Arial" panose="020B0604020202020204" pitchFamily="34" charset="0"/>
+                <a:ea typeface="Segoe UI Historic" panose="020B0502040204020203" pitchFamily="34" charset="0"/>
+                <a:cs typeface="Arial" panose="020B0604020202020204" pitchFamily="34" charset="0"/>
+              </a:rPr>
+              <a:t>- Product (</a:t>
+            </a:r>
+            <a:r>
+              <a:rPr lang="en-US" sz="2800" dirty="0" err="1">
+                <a:solidFill>
+                  <a:schemeClr val="bg1"/>
+                </a:solidFill>
+                <a:latin typeface="Arial" panose="020B0604020202020204" pitchFamily="34" charset="0"/>
+                <a:ea typeface="Segoe UI Historic" panose="020B0502040204020203" pitchFamily="34" charset="0"/>
+                <a:cs typeface="Arial" panose="020B0604020202020204" pitchFamily="34" charset="0"/>
+              </a:rPr>
+              <a:t>Sản</a:t>
+            </a:r>
+            <a:r>
+              <a:rPr lang="en-US" sz="2800" dirty="0">
+                <a:solidFill>
+                  <a:schemeClr val="bg1"/>
+                </a:solidFill>
+                <a:latin typeface="Arial" panose="020B0604020202020204" pitchFamily="34" charset="0"/>
+                <a:ea typeface="Segoe UI Historic" panose="020B0502040204020203" pitchFamily="34" charset="0"/>
+                <a:cs typeface="Arial" panose="020B0604020202020204" pitchFamily="34" charset="0"/>
+              </a:rPr>
+              <a:t> </a:t>
+            </a:r>
+            <a:r>
+              <a:rPr lang="en-US" sz="2800" dirty="0" err="1">
+                <a:solidFill>
+                  <a:schemeClr val="bg1"/>
+                </a:solidFill>
+                <a:latin typeface="Arial" panose="020B0604020202020204" pitchFamily="34" charset="0"/>
+                <a:ea typeface="Segoe UI Historic" panose="020B0502040204020203" pitchFamily="34" charset="0"/>
+                <a:cs typeface="Arial" panose="020B0604020202020204" pitchFamily="34" charset="0"/>
+              </a:rPr>
+              <a:t>phẩm</a:t>
+            </a:r>
+            <a:r>
+              <a:rPr lang="en-US" sz="2800" dirty="0">
+                <a:solidFill>
+                  <a:schemeClr val="bg1"/>
+                </a:solidFill>
+                <a:latin typeface="Arial" panose="020B0604020202020204" pitchFamily="34" charset="0"/>
+                <a:ea typeface="Segoe UI Historic" panose="020B0502040204020203" pitchFamily="34" charset="0"/>
+                <a:cs typeface="Arial" panose="020B0604020202020204" pitchFamily="34" charset="0"/>
+              </a:rPr>
+              <a:t>):</a:t>
+            </a:r>
+          </a:p>
+        </p:txBody>
+      </p:sp>
+      <p:sp>
+        <p:nvSpPr>
+          <p:cNvPr id="13" name="TextBox 12">
+            <a:extLst>
+              <a:ext uri="{FF2B5EF4-FFF2-40B4-BE49-F238E27FC236}">
+                <a16:creationId xmlns:a16="http://schemas.microsoft.com/office/drawing/2014/main" id="{AABC7E38-1FEC-8CD4-2132-E6600576CD2E}"/>
+              </a:ext>
+            </a:extLst>
+          </p:cNvPr>
+          <p:cNvSpPr txBox="1"/>
+          <p:nvPr/>
+        </p:nvSpPr>
+        <p:spPr>
+          <a:xfrm>
+            <a:off x="945105" y="2800094"/>
+            <a:ext cx="10873739" cy="523220"/>
+          </a:xfrm>
+          <a:prstGeom prst="rect">
+            <a:avLst/>
+          </a:prstGeom>
+          <a:noFill/>
+        </p:spPr>
+        <p:txBody>
+          <a:bodyPr wrap="square">
+            <a:spAutoFit/>
+          </a:bodyPr>
+          <a:lstStyle/>
+          <a:p>
+            <a:pPr marL="0" marR="0" lvl="0" indent="0" algn="l" defTabSz="914400" rtl="0" eaLnBrk="0" fontAlgn="base" latinLnBrk="0" hangingPunct="0">
+              <a:lnSpc>
+                <a:spcPct val="100000"/>
+              </a:lnSpc>
+              <a:spcBef>
+                <a:spcPct val="0"/>
+              </a:spcBef>
+              <a:spcAft>
+                <a:spcPct val="0"/>
+              </a:spcAft>
+              <a:buClrTx/>
+              <a:buSzTx/>
+              <a:tabLst/>
+            </a:pPr>
+            <a:r>
+              <a:rPr kumimoji="0" lang="en-US" altLang="en-US" sz="2800" b="0" i="0" u="none" strike="noStrike" cap="none" normalizeH="0" baseline="0" dirty="0">
+                <a:ln>
+                  <a:noFill/>
+                </a:ln>
+                <a:solidFill>
+                  <a:schemeClr val="bg1"/>
+                </a:solidFill>
+                <a:effectLst/>
+                <a:latin typeface="Arial" panose="020B0604020202020204" pitchFamily="34" charset="0"/>
+                <a:cs typeface="Arial" panose="020B0604020202020204" pitchFamily="34" charset="0"/>
+              </a:rPr>
+              <a:t>+ </a:t>
+            </a:r>
+            <a:r>
+              <a:rPr lang="vi-VN" sz="2800" dirty="0">
+                <a:solidFill>
+                  <a:schemeClr val="bg1"/>
+                </a:solidFill>
+                <a:latin typeface="Arial" panose="020B0604020202020204" pitchFamily="34" charset="0"/>
+                <a:cs typeface="Arial" panose="020B0604020202020204" pitchFamily="34" charset="0"/>
+              </a:rPr>
+              <a:t>Chất lượng sản phẩm không đồng đều.</a:t>
+            </a:r>
+            <a:endParaRPr kumimoji="0" lang="en-US" altLang="en-US" sz="2800" b="0" i="0" u="none" strike="noStrike" cap="none" normalizeH="0" baseline="0" dirty="0">
+              <a:ln>
+                <a:noFill/>
+              </a:ln>
+              <a:solidFill>
+                <a:schemeClr val="bg1"/>
+              </a:solidFill>
+              <a:effectLst/>
+              <a:latin typeface="Arial" panose="020B0604020202020204" pitchFamily="34" charset="0"/>
+              <a:cs typeface="Arial" panose="020B0604020202020204" pitchFamily="34" charset="0"/>
+            </a:endParaRPr>
+          </a:p>
+        </p:txBody>
+      </p:sp>
+      <p:sp>
+        <p:nvSpPr>
+          <p:cNvPr id="15" name="TextBox 14">
+            <a:extLst>
+              <a:ext uri="{FF2B5EF4-FFF2-40B4-BE49-F238E27FC236}">
+                <a16:creationId xmlns:a16="http://schemas.microsoft.com/office/drawing/2014/main" id="{93F4C458-78C6-4C02-F527-6B7E18A03D21}"/>
+              </a:ext>
+            </a:extLst>
+          </p:cNvPr>
+          <p:cNvSpPr txBox="1"/>
+          <p:nvPr/>
+        </p:nvSpPr>
+        <p:spPr>
+          <a:xfrm>
+            <a:off x="945104" y="3323314"/>
+            <a:ext cx="10873739" cy="523220"/>
+          </a:xfrm>
+          <a:prstGeom prst="rect">
+            <a:avLst/>
+          </a:prstGeom>
+          <a:noFill/>
+        </p:spPr>
+        <p:txBody>
+          <a:bodyPr wrap="square">
+            <a:spAutoFit/>
+          </a:bodyPr>
+          <a:lstStyle/>
+          <a:p>
+            <a:pPr marL="0" marR="0" lvl="0" indent="0" algn="l" defTabSz="914400" rtl="0" eaLnBrk="0" fontAlgn="base" latinLnBrk="0" hangingPunct="0">
+              <a:lnSpc>
+                <a:spcPct val="100000"/>
+              </a:lnSpc>
+              <a:spcBef>
+                <a:spcPct val="0"/>
+              </a:spcBef>
+              <a:spcAft>
+                <a:spcPct val="0"/>
+              </a:spcAft>
+              <a:buClrTx/>
+              <a:buSzTx/>
+              <a:tabLst/>
+            </a:pPr>
+            <a:r>
+              <a:rPr kumimoji="0" lang="en-US" altLang="en-US" sz="2800" b="0" i="0" u="none" strike="noStrike" cap="none" normalizeH="0" baseline="0" dirty="0">
+                <a:ln>
+                  <a:noFill/>
+                </a:ln>
+                <a:solidFill>
+                  <a:schemeClr val="bg1"/>
+                </a:solidFill>
+                <a:effectLst/>
+                <a:latin typeface="Arial" panose="020B0604020202020204" pitchFamily="34" charset="0"/>
+                <a:cs typeface="Arial" panose="020B0604020202020204" pitchFamily="34" charset="0"/>
+              </a:rPr>
+              <a:t>+ </a:t>
+            </a:r>
+            <a:r>
+              <a:rPr lang="vi-VN" sz="2800" dirty="0">
+                <a:solidFill>
+                  <a:schemeClr val="bg1"/>
+                </a:solidFill>
+                <a:latin typeface="Arial" panose="020B0604020202020204" pitchFamily="34" charset="0"/>
+                <a:cs typeface="Arial" panose="020B0604020202020204" pitchFamily="34" charset="0"/>
+              </a:rPr>
+              <a:t>Khó dự báo sản lượng và lập kế hoạch bán hàng.</a:t>
+            </a:r>
+            <a:endParaRPr kumimoji="0" lang="en-US" altLang="en-US" sz="2800" b="0" i="0" u="none" strike="noStrike" cap="none" normalizeH="0" baseline="0" dirty="0">
+              <a:ln>
+                <a:noFill/>
+              </a:ln>
+              <a:solidFill>
+                <a:schemeClr val="bg1"/>
+              </a:solidFill>
+              <a:effectLst/>
+              <a:latin typeface="Arial" panose="020B0604020202020204" pitchFamily="34" charset="0"/>
+              <a:cs typeface="Arial" panose="020B0604020202020204" pitchFamily="34" charset="0"/>
+            </a:endParaRPr>
+          </a:p>
+        </p:txBody>
+      </p:sp>
+    </p:spTree>
+    <p:extLst>
+      <p:ext uri="{BB962C8B-B14F-4D97-AF65-F5344CB8AC3E}">
+        <p14:creationId xmlns:p14="http://schemas.microsoft.com/office/powerpoint/2010/main" val="1642107911"/>
       </p:ext>
     </p:extLst>
   </p:cSld>
@@ -10316,15 +12314,6 @@
 </file>
 
 <file path=customXml/item1.xml><?xml version="1.0" encoding="utf-8"?>
-<?mso-contentType ?>
-<FormTemplates xmlns="http://schemas.microsoft.com/sharepoint/v3/contenttype/forms">
-  <Display>DocumentLibraryForm</Display>
-  <Edit>DocumentLibraryForm</Edit>
-  <New>DocumentLibraryForm</New>
-</FormTemplates>
-</file>
-
-<file path=customXml/item2.xml><?xml version="1.0" encoding="utf-8"?>
 <ct:contentTypeSchema xmlns:ct="http://schemas.microsoft.com/office/2006/metadata/contentType" xmlns:ma="http://schemas.microsoft.com/office/2006/metadata/properties/metaAttributes" ct:_="" ma:_="" ma:contentTypeName="Document" ma:contentTypeID="0x01010079F111ED35F8CC479449609E8A0923A6" ma:contentTypeVersion="28" ma:contentTypeDescription="Create a new document." ma:contentTypeScope="" ma:versionID="60f5a4f2d2b0abadcf532d48ebf9cb71">
   <xsd:schema xmlns:xsd="http://www.w3.org/2001/XMLSchema" xmlns:xs="http://www.w3.org/2001/XMLSchema" xmlns:p="http://schemas.microsoft.com/office/2006/metadata/properties" xmlns:ns1="http://schemas.microsoft.com/sharepoint/v3" xmlns:ns2="71af3243-3dd4-4a8d-8c0d-dd76da1f02a5" xmlns:ns3="16c05727-aa75-4e4a-9b5f-8a80a1165891" xmlns:ns4="230e9df3-be65-4c73-a93b-d1236ebd677e" targetNamespace="http://schemas.microsoft.com/office/2006/metadata/properties" ma:root="true" ma:fieldsID="7dd78129e6a1811f84807ad11c651531" ns1:_="" ns2:_="" ns3:_="" ns4:_="">
     <xsd:import namespace="http://schemas.microsoft.com/sharepoint/v3"/>
@@ -10636,6 +12625,15 @@
 </ct:contentTypeSchema>
 </file>
 
+<file path=customXml/item2.xml><?xml version="1.0" encoding="utf-8"?>
+<?mso-contentType ?>
+<FormTemplates xmlns="http://schemas.microsoft.com/sharepoint/v3/contenttype/forms">
+  <Display>DocumentLibraryForm</Display>
+  <Edit>DocumentLibraryForm</Edit>
+  <New>DocumentLibraryForm</New>
+</FormTemplates>
+</file>
+
 <file path=customXml/item3.xml><?xml version="1.0" encoding="utf-8"?>
 <p:properties xmlns:p="http://schemas.microsoft.com/office/2006/metadata/properties" xmlns:xsi="http://www.w3.org/2001/XMLSchema-instance" xmlns:pc="http://schemas.microsoft.com/office/infopath/2007/PartnerControls">
   <documentManagement>
@@ -10657,14 +12655,6 @@
 </file>
 
 <file path=customXml/itemProps1.xml><?xml version="1.0" encoding="utf-8"?>
-<ds:datastoreItem xmlns:ds="http://schemas.openxmlformats.org/officeDocument/2006/customXml" ds:itemID="{C21FFAC0-05A2-416A-B06C-C248395482CF}">
-  <ds:schemaRefs>
-    <ds:schemaRef ds:uri="http://schemas.microsoft.com/sharepoint/v3/contenttype/forms"/>
-  </ds:schemaRefs>
-</ds:datastoreItem>
-</file>
-
-<file path=customXml/itemProps2.xml><?xml version="1.0" encoding="utf-8"?>
 <ds:datastoreItem xmlns:ds="http://schemas.openxmlformats.org/officeDocument/2006/customXml" ds:itemID="{92DB9E12-8AC3-4138-BF4D-720A5525AB10}">
   <ds:schemaRefs>
     <ds:schemaRef ds:uri="http://schemas.microsoft.com/office/2006/metadata/contentType"/>
@@ -10685,6 +12675,14 @@
 </ds:datastoreItem>
 </file>
 
+<file path=customXml/itemProps2.xml><?xml version="1.0" encoding="utf-8"?>
+<ds:datastoreItem xmlns:ds="http://schemas.openxmlformats.org/officeDocument/2006/customXml" ds:itemID="{C21FFAC0-05A2-416A-B06C-C248395482CF}">
+  <ds:schemaRefs>
+    <ds:schemaRef ds:uri="http://schemas.microsoft.com/sharepoint/v3/contenttype/forms"/>
+  </ds:schemaRefs>
+</ds:datastoreItem>
+</file>
+
 <file path=customXml/itemProps3.xml><?xml version="1.0" encoding="utf-8"?>
 <ds:datastoreItem xmlns:ds="http://schemas.openxmlformats.org/officeDocument/2006/customXml" ds:itemID="{4F4B194E-8B30-4377-8C59-ECFB902D2A26}">
   <ds:schemaRefs>
